--- a/web/b25/presentations/CryptographyAndSecurity.pptx
+++ b/web/b25/presentations/CryptographyAndSecurity.pptx
@@ -106,6 +106,11 @@
       </a:defRPr>
     </a:lvl9pPr>
   </p:defaultTextStyle>
+  <p:extLst>
+    <p:ext uri="{EFAFB233-063F-42B5-8137-9DF3F51BA10A}">
+      <p15:sldGuideLst xmlns:p15="http://schemas.microsoft.com/office/powerpoint/2012/main"/>
+    </p:ext>
+  </p:extLst>
 </p:presentation>
 </file>
 
@@ -258,7 +263,7 @@
           <a:p>
             <a:fld id="{3020589E-4937-2C4B-8C82-71CFF10DB099}" type="datetimeFigureOut">
               <a:rPr lang="en-DK" smtClean="0"/>
-              <a:t>21/11/2023</a:t>
+              <a:t>19/11/2024</a:t>
             </a:fld>
             <a:endParaRPr lang="en-DK"/>
           </a:p>
@@ -458,7 +463,7 @@
           <a:p>
             <a:fld id="{3020589E-4937-2C4B-8C82-71CFF10DB099}" type="datetimeFigureOut">
               <a:rPr lang="en-DK" smtClean="0"/>
-              <a:t>21/11/2023</a:t>
+              <a:t>19/11/2024</a:t>
             </a:fld>
             <a:endParaRPr lang="en-DK"/>
           </a:p>
@@ -668,7 +673,7 @@
           <a:p>
             <a:fld id="{3020589E-4937-2C4B-8C82-71CFF10DB099}" type="datetimeFigureOut">
               <a:rPr lang="en-DK" smtClean="0"/>
-              <a:t>21/11/2023</a:t>
+              <a:t>19/11/2024</a:t>
             </a:fld>
             <a:endParaRPr lang="en-DK"/>
           </a:p>
@@ -868,7 +873,7 @@
           <a:p>
             <a:fld id="{3020589E-4937-2C4B-8C82-71CFF10DB099}" type="datetimeFigureOut">
               <a:rPr lang="en-DK" smtClean="0"/>
-              <a:t>21/11/2023</a:t>
+              <a:t>19/11/2024</a:t>
             </a:fld>
             <a:endParaRPr lang="en-DK"/>
           </a:p>
@@ -1144,7 +1149,7 @@
           <a:p>
             <a:fld id="{3020589E-4937-2C4B-8C82-71CFF10DB099}" type="datetimeFigureOut">
               <a:rPr lang="en-DK" smtClean="0"/>
-              <a:t>21/11/2023</a:t>
+              <a:t>19/11/2024</a:t>
             </a:fld>
             <a:endParaRPr lang="en-DK"/>
           </a:p>
@@ -1412,7 +1417,7 @@
           <a:p>
             <a:fld id="{3020589E-4937-2C4B-8C82-71CFF10DB099}" type="datetimeFigureOut">
               <a:rPr lang="en-DK" smtClean="0"/>
-              <a:t>21/11/2023</a:t>
+              <a:t>19/11/2024</a:t>
             </a:fld>
             <a:endParaRPr lang="en-DK"/>
           </a:p>
@@ -1827,7 +1832,7 @@
           <a:p>
             <a:fld id="{3020589E-4937-2C4B-8C82-71CFF10DB099}" type="datetimeFigureOut">
               <a:rPr lang="en-DK" smtClean="0"/>
-              <a:t>21/11/2023</a:t>
+              <a:t>19/11/2024</a:t>
             </a:fld>
             <a:endParaRPr lang="en-DK"/>
           </a:p>
@@ -1969,7 +1974,7 @@
           <a:p>
             <a:fld id="{3020589E-4937-2C4B-8C82-71CFF10DB099}" type="datetimeFigureOut">
               <a:rPr lang="en-DK" smtClean="0"/>
-              <a:t>21/11/2023</a:t>
+              <a:t>19/11/2024</a:t>
             </a:fld>
             <a:endParaRPr lang="en-DK"/>
           </a:p>
@@ -2082,7 +2087,7 @@
           <a:p>
             <a:fld id="{3020589E-4937-2C4B-8C82-71CFF10DB099}" type="datetimeFigureOut">
               <a:rPr lang="en-DK" smtClean="0"/>
-              <a:t>21/11/2023</a:t>
+              <a:t>19/11/2024</a:t>
             </a:fld>
             <a:endParaRPr lang="en-DK"/>
           </a:p>
@@ -2395,7 +2400,7 @@
           <a:p>
             <a:fld id="{3020589E-4937-2C4B-8C82-71CFF10DB099}" type="datetimeFigureOut">
               <a:rPr lang="en-DK" smtClean="0"/>
-              <a:t>21/11/2023</a:t>
+              <a:t>19/11/2024</a:t>
             </a:fld>
             <a:endParaRPr lang="en-DK"/>
           </a:p>
@@ -2684,7 +2689,7 @@
           <a:p>
             <a:fld id="{3020589E-4937-2C4B-8C82-71CFF10DB099}" type="datetimeFigureOut">
               <a:rPr lang="en-DK" smtClean="0"/>
-              <a:t>21/11/2023</a:t>
+              <a:t>19/11/2024</a:t>
             </a:fld>
             <a:endParaRPr lang="en-DK"/>
           </a:p>
@@ -2927,7 +2932,7 @@
           <a:p>
             <a:fld id="{3020589E-4937-2C4B-8C82-71CFF10DB099}" type="datetimeFigureOut">
               <a:rPr lang="en-DK" smtClean="0"/>
-              <a:t>21/11/2023</a:t>
+              <a:t>19/11/2024</a:t>
             </a:fld>
             <a:endParaRPr lang="en-DK"/>
           </a:p>
@@ -3381,10 +3386,10 @@
       </p:sp>
       <p:pic>
         <p:nvPicPr>
-          <p:cNvPr id="1025" name="Picture 1" descr="Group Picture 2019">
-            <a:extLst>
-              <a:ext uri="{FF2B5EF4-FFF2-40B4-BE49-F238E27FC236}">
-                <a16:creationId xmlns:a16="http://schemas.microsoft.com/office/drawing/2014/main" id="{9CB86CCC-B06C-0D45-38DF-2412B53D6006}"/>
+          <p:cNvPr id="2" name="Picture 1" descr="Group Picture 2023">
+            <a:extLst>
+              <a:ext uri="{FF2B5EF4-FFF2-40B4-BE49-F238E27FC236}">
+                <a16:creationId xmlns:a16="http://schemas.microsoft.com/office/drawing/2014/main" id="{091B83D3-022D-71AE-6235-623AF4B1C383}"/>
               </a:ext>
             </a:extLst>
           </p:cNvPr>
@@ -3408,8 +3413,8 @@
         </p:blipFill>
         <p:spPr bwMode="auto">
           <a:xfrm>
-            <a:off x="1643063" y="1628775"/>
-            <a:ext cx="8515350" cy="4068445"/>
+            <a:off x="1808396" y="1367246"/>
+            <a:ext cx="8250007" cy="5128754"/>
           </a:xfrm>
           <a:prstGeom prst="rect">
             <a:avLst/>
@@ -3471,7 +3476,7 @@
         <p:spPr>
           <a:xfrm>
             <a:off x="671513" y="728663"/>
-            <a:ext cx="10701337" cy="5663089"/>
+            <a:ext cx="10701337" cy="5355312"/>
           </a:xfrm>
           <a:prstGeom prst="rect">
             <a:avLst/>
@@ -3486,7 +3491,7 @@
           <a:p>
             <a:r>
               <a:rPr lang="en-DK" sz="2400" b="1" dirty="0"/>
-              <a:t>Example project idea</a:t>
+              <a:t>Types of project</a:t>
             </a:r>
           </a:p>
           <a:p>
@@ -3498,49 +3503,44 @@
               <a:buChar char="•"/>
             </a:pPr>
             <a:r>
-              <a:rPr lang="en-GB" sz="2000" i="1" dirty="0"/>
-              <a:t>B</a:t>
-            </a:r>
-            <a:r>
-              <a:rPr lang="en-DK" sz="2000" i="1" dirty="0"/>
-              <a:t>uild an </a:t>
-            </a:r>
-            <a:r>
-              <a:rPr lang="en-GB" sz="2000" i="1" dirty="0"/>
-              <a:t>e</a:t>
-            </a:r>
-            <a:r>
-              <a:rPr lang="en-DK" sz="2000" i="1" dirty="0"/>
-              <a:t>lectronic voting system</a:t>
-            </a:r>
-          </a:p>
-          <a:p>
-            <a:pPr lvl="2"/>
-            <a:r>
-              <a:rPr lang="en-DK" sz="2000" dirty="0"/>
-              <a:t>Start by implementing a very simple solution concept you will be given, to get a not very secure system.</a:t>
-            </a:r>
-          </a:p>
-          <a:p>
-            <a:r>
-              <a:rPr lang="en-DK" sz="2000" dirty="0"/>
-              <a:t>	Extend t</a:t>
+              <a:rPr lang="en-GB" sz="2000" b="1" dirty="0"/>
+              <a:t>Privacy enhancing tech</a:t>
             </a:r>
             <a:r>
               <a:rPr lang="en-GB" sz="2000" dirty="0"/>
-              <a:t>he</a:t>
-            </a:r>
-            <a:r>
-              <a:rPr lang="en-DK" sz="2000" dirty="0"/>
-              <a:t> system in various ways to get security against more types of attacks.</a:t>
-            </a:r>
-          </a:p>
-          <a:p>
-            <a:pPr lvl="2"/>
-            <a:r>
-              <a:rPr lang="en-DK" sz="2000" dirty="0"/>
-              <a:t>If time and ambition permits, study literature to extend you system even more, compare to other solutions. </a:t>
-            </a:r>
+              <a:t>. Given some practical goal. Example: do an electronic election.</a:t>
+            </a:r>
+          </a:p>
+          <a:p>
+            <a:pPr marL="742950" lvl="1" indent="-285750">
+              <a:buFont typeface="Arial" panose="020B0604020202020204" pitchFamily="34" charset="0"/>
+              <a:buChar char="•"/>
+            </a:pPr>
+            <a:r>
+              <a:rPr lang="en-GB" sz="2000" dirty="0"/>
+              <a:t>Naïve, non-private/non-secure solution easy. Example: send all votes to one server, tallies and broadcasts result.</a:t>
+            </a:r>
+          </a:p>
+          <a:p>
+            <a:pPr marL="742950" lvl="1" indent="-285750">
+              <a:buFont typeface="Arial" panose="020B0604020202020204" pitchFamily="34" charset="0"/>
+              <a:buChar char="•"/>
+            </a:pPr>
+            <a:r>
+              <a:rPr lang="en-GB" sz="2000" dirty="0"/>
+              <a:t>In project, design and implement a better solution, with better protection of privacy and correctness.</a:t>
+            </a:r>
+          </a:p>
+          <a:p>
+            <a:pPr marL="742950" lvl="1" indent="-285750">
+              <a:buFont typeface="Arial" panose="020B0604020202020204" pitchFamily="34" charset="0"/>
+              <a:buChar char="•"/>
+            </a:pPr>
+            <a:r>
+              <a:rPr lang="en-GB" sz="2000" dirty="0"/>
+              <a:t>Will often proceed in steps: start simple and extend to protect against more and more attacks.</a:t>
+            </a:r>
+            <a:endParaRPr lang="en-DK" sz="2000" dirty="0"/>
           </a:p>
           <a:p>
             <a:pPr marL="285750" indent="-285750">
@@ -3555,8 +3555,12 @@
               <a:buChar char="•"/>
             </a:pPr>
             <a:r>
+              <a:rPr lang="en-DK" sz="2000" b="1" dirty="0"/>
+              <a:t>Attacks on systems</a:t>
+            </a:r>
+            <a:r>
               <a:rPr lang="en-DK" sz="2000" dirty="0"/>
-              <a:t>We also have a couple of project ideas that are about attacks on systems: understand t</a:t>
+              <a:t>: understand t</a:t>
             </a:r>
             <a:r>
               <a:rPr lang="en-GB" sz="2000" dirty="0"/>
@@ -3588,8 +3592,12 @@
               <a:buChar char="•"/>
             </a:pPr>
             <a:r>
+              <a:rPr lang="en-DK" sz="2000" b="1" dirty="0"/>
+              <a:t>Theoretical projects </a:t>
+            </a:r>
+            <a:r>
               <a:rPr lang="en-DK" sz="2000" dirty="0"/>
-              <a:t>Theoretical projects (no coding) are also possible, expect to use lots of time on reading.</a:t>
+              <a:t>(no coding) are also possible, expect to use lots of time on reading.</a:t>
             </a:r>
           </a:p>
           <a:p>
@@ -3646,6 +3654,463 @@
   <p:clrMapOvr>
     <a:masterClrMapping/>
   </p:clrMapOvr>
+  <p:timing>
+    <p:tnLst>
+      <p:par>
+        <p:cTn id="1" dur="indefinite" restart="never" nodeType="tmRoot">
+          <p:childTnLst>
+            <p:seq concurrent="1" nextAc="seek">
+              <p:cTn id="2" dur="indefinite" nodeType="mainSeq">
+                <p:childTnLst>
+                  <p:par>
+                    <p:cTn id="3" fill="hold">
+                      <p:stCondLst>
+                        <p:cond delay="indefinite"/>
+                      </p:stCondLst>
+                      <p:childTnLst>
+                        <p:par>
+                          <p:cTn id="4" fill="hold">
+                            <p:stCondLst>
+                              <p:cond delay="0"/>
+                            </p:stCondLst>
+                            <p:childTnLst>
+                              <p:par>
+                                <p:cTn id="5" presetID="3" presetClass="entr" presetSubtype="10" fill="hold" nodeType="clickEffect">
+                                  <p:stCondLst>
+                                    <p:cond delay="0"/>
+                                  </p:stCondLst>
+                                  <p:childTnLst>
+                                    <p:set>
+                                      <p:cBhvr>
+                                        <p:cTn id="6" dur="1" fill="hold">
+                                          <p:stCondLst>
+                                            <p:cond delay="0"/>
+                                          </p:stCondLst>
+                                        </p:cTn>
+                                        <p:tgtEl>
+                                          <p:spTgt spid="4">
+                                            <p:txEl>
+                                              <p:pRg st="3" end="3"/>
+                                            </p:txEl>
+                                          </p:spTgt>
+                                        </p:tgtEl>
+                                        <p:attrNameLst>
+                                          <p:attrName>style.visibility</p:attrName>
+                                        </p:attrNameLst>
+                                      </p:cBhvr>
+                                      <p:to>
+                                        <p:strVal val="visible"/>
+                                      </p:to>
+                                    </p:set>
+                                    <p:animEffect transition="in" filter="blinds(horizontal)">
+                                      <p:cBhvr>
+                                        <p:cTn id="7" dur="500"/>
+                                        <p:tgtEl>
+                                          <p:spTgt spid="4">
+                                            <p:txEl>
+                                              <p:pRg st="3" end="3"/>
+                                            </p:txEl>
+                                          </p:spTgt>
+                                        </p:tgtEl>
+                                      </p:cBhvr>
+                                    </p:animEffect>
+                                  </p:childTnLst>
+                                </p:cTn>
+                              </p:par>
+                            </p:childTnLst>
+                          </p:cTn>
+                        </p:par>
+                      </p:childTnLst>
+                    </p:cTn>
+                  </p:par>
+                  <p:par>
+                    <p:cTn id="8" fill="hold">
+                      <p:stCondLst>
+                        <p:cond delay="indefinite"/>
+                      </p:stCondLst>
+                      <p:childTnLst>
+                        <p:par>
+                          <p:cTn id="9" fill="hold">
+                            <p:stCondLst>
+                              <p:cond delay="0"/>
+                            </p:stCondLst>
+                            <p:childTnLst>
+                              <p:par>
+                                <p:cTn id="10" presetID="3" presetClass="entr" presetSubtype="10" fill="hold" nodeType="clickEffect">
+                                  <p:stCondLst>
+                                    <p:cond delay="0"/>
+                                  </p:stCondLst>
+                                  <p:childTnLst>
+                                    <p:set>
+                                      <p:cBhvr>
+                                        <p:cTn id="11" dur="1" fill="hold">
+                                          <p:stCondLst>
+                                            <p:cond delay="0"/>
+                                          </p:stCondLst>
+                                        </p:cTn>
+                                        <p:tgtEl>
+                                          <p:spTgt spid="4">
+                                            <p:txEl>
+                                              <p:pRg st="4" end="4"/>
+                                            </p:txEl>
+                                          </p:spTgt>
+                                        </p:tgtEl>
+                                        <p:attrNameLst>
+                                          <p:attrName>style.visibility</p:attrName>
+                                        </p:attrNameLst>
+                                      </p:cBhvr>
+                                      <p:to>
+                                        <p:strVal val="visible"/>
+                                      </p:to>
+                                    </p:set>
+                                    <p:animEffect transition="in" filter="blinds(horizontal)">
+                                      <p:cBhvr>
+                                        <p:cTn id="12" dur="500"/>
+                                        <p:tgtEl>
+                                          <p:spTgt spid="4">
+                                            <p:txEl>
+                                              <p:pRg st="4" end="4"/>
+                                            </p:txEl>
+                                          </p:spTgt>
+                                        </p:tgtEl>
+                                      </p:cBhvr>
+                                    </p:animEffect>
+                                  </p:childTnLst>
+                                </p:cTn>
+                              </p:par>
+                            </p:childTnLst>
+                          </p:cTn>
+                        </p:par>
+                      </p:childTnLst>
+                    </p:cTn>
+                  </p:par>
+                  <p:par>
+                    <p:cTn id="13" fill="hold">
+                      <p:stCondLst>
+                        <p:cond delay="indefinite"/>
+                      </p:stCondLst>
+                      <p:childTnLst>
+                        <p:par>
+                          <p:cTn id="14" fill="hold">
+                            <p:stCondLst>
+                              <p:cond delay="0"/>
+                            </p:stCondLst>
+                            <p:childTnLst>
+                              <p:par>
+                                <p:cTn id="15" presetID="3" presetClass="entr" presetSubtype="10" fill="hold" nodeType="clickEffect">
+                                  <p:stCondLst>
+                                    <p:cond delay="0"/>
+                                  </p:stCondLst>
+                                  <p:childTnLst>
+                                    <p:set>
+                                      <p:cBhvr>
+                                        <p:cTn id="16" dur="1" fill="hold">
+                                          <p:stCondLst>
+                                            <p:cond delay="0"/>
+                                          </p:stCondLst>
+                                        </p:cTn>
+                                        <p:tgtEl>
+                                          <p:spTgt spid="4">
+                                            <p:txEl>
+                                              <p:pRg st="5" end="5"/>
+                                            </p:txEl>
+                                          </p:spTgt>
+                                        </p:tgtEl>
+                                        <p:attrNameLst>
+                                          <p:attrName>style.visibility</p:attrName>
+                                        </p:attrNameLst>
+                                      </p:cBhvr>
+                                      <p:to>
+                                        <p:strVal val="visible"/>
+                                      </p:to>
+                                    </p:set>
+                                    <p:animEffect transition="in" filter="blinds(horizontal)">
+                                      <p:cBhvr>
+                                        <p:cTn id="17" dur="500"/>
+                                        <p:tgtEl>
+                                          <p:spTgt spid="4">
+                                            <p:txEl>
+                                              <p:pRg st="5" end="5"/>
+                                            </p:txEl>
+                                          </p:spTgt>
+                                        </p:tgtEl>
+                                      </p:cBhvr>
+                                    </p:animEffect>
+                                  </p:childTnLst>
+                                </p:cTn>
+                              </p:par>
+                            </p:childTnLst>
+                          </p:cTn>
+                        </p:par>
+                      </p:childTnLst>
+                    </p:cTn>
+                  </p:par>
+                  <p:par>
+                    <p:cTn id="18" fill="hold">
+                      <p:stCondLst>
+                        <p:cond delay="indefinite"/>
+                      </p:stCondLst>
+                      <p:childTnLst>
+                        <p:par>
+                          <p:cTn id="19" fill="hold">
+                            <p:stCondLst>
+                              <p:cond delay="0"/>
+                            </p:stCondLst>
+                            <p:childTnLst>
+                              <p:par>
+                                <p:cTn id="20" presetID="3" presetClass="entr" presetSubtype="10" fill="hold" nodeType="clickEffect">
+                                  <p:stCondLst>
+                                    <p:cond delay="0"/>
+                                  </p:stCondLst>
+                                  <p:childTnLst>
+                                    <p:set>
+                                      <p:cBhvr>
+                                        <p:cTn id="21" dur="1" fill="hold">
+                                          <p:stCondLst>
+                                            <p:cond delay="0"/>
+                                          </p:stCondLst>
+                                        </p:cTn>
+                                        <p:tgtEl>
+                                          <p:spTgt spid="4">
+                                            <p:txEl>
+                                              <p:pRg st="7" end="7"/>
+                                            </p:txEl>
+                                          </p:spTgt>
+                                        </p:tgtEl>
+                                        <p:attrNameLst>
+                                          <p:attrName>style.visibility</p:attrName>
+                                        </p:attrNameLst>
+                                      </p:cBhvr>
+                                      <p:to>
+                                        <p:strVal val="visible"/>
+                                      </p:to>
+                                    </p:set>
+                                    <p:animEffect transition="in" filter="blinds(horizontal)">
+                                      <p:cBhvr>
+                                        <p:cTn id="22" dur="500"/>
+                                        <p:tgtEl>
+                                          <p:spTgt spid="4">
+                                            <p:txEl>
+                                              <p:pRg st="7" end="7"/>
+                                            </p:txEl>
+                                          </p:spTgt>
+                                        </p:tgtEl>
+                                      </p:cBhvr>
+                                    </p:animEffect>
+                                  </p:childTnLst>
+                                </p:cTn>
+                              </p:par>
+                            </p:childTnLst>
+                          </p:cTn>
+                        </p:par>
+                      </p:childTnLst>
+                    </p:cTn>
+                  </p:par>
+                  <p:par>
+                    <p:cTn id="23" fill="hold">
+                      <p:stCondLst>
+                        <p:cond delay="indefinite"/>
+                      </p:stCondLst>
+                      <p:childTnLst>
+                        <p:par>
+                          <p:cTn id="24" fill="hold">
+                            <p:stCondLst>
+                              <p:cond delay="0"/>
+                            </p:stCondLst>
+                            <p:childTnLst>
+                              <p:par>
+                                <p:cTn id="25" presetID="3" presetClass="entr" presetSubtype="10" fill="hold" nodeType="clickEffect">
+                                  <p:stCondLst>
+                                    <p:cond delay="0"/>
+                                  </p:stCondLst>
+                                  <p:childTnLst>
+                                    <p:set>
+                                      <p:cBhvr>
+                                        <p:cTn id="26" dur="1" fill="hold">
+                                          <p:stCondLst>
+                                            <p:cond delay="0"/>
+                                          </p:stCondLst>
+                                        </p:cTn>
+                                        <p:tgtEl>
+                                          <p:spTgt spid="4">
+                                            <p:txEl>
+                                              <p:pRg st="9" end="9"/>
+                                            </p:txEl>
+                                          </p:spTgt>
+                                        </p:tgtEl>
+                                        <p:attrNameLst>
+                                          <p:attrName>style.visibility</p:attrName>
+                                        </p:attrNameLst>
+                                      </p:cBhvr>
+                                      <p:to>
+                                        <p:strVal val="visible"/>
+                                      </p:to>
+                                    </p:set>
+                                    <p:animEffect transition="in" filter="blinds(horizontal)">
+                                      <p:cBhvr>
+                                        <p:cTn id="27" dur="500"/>
+                                        <p:tgtEl>
+                                          <p:spTgt spid="4">
+                                            <p:txEl>
+                                              <p:pRg st="9" end="9"/>
+                                            </p:txEl>
+                                          </p:spTgt>
+                                        </p:tgtEl>
+                                      </p:cBhvr>
+                                    </p:animEffect>
+                                  </p:childTnLst>
+                                </p:cTn>
+                              </p:par>
+                            </p:childTnLst>
+                          </p:cTn>
+                        </p:par>
+                      </p:childTnLst>
+                    </p:cTn>
+                  </p:par>
+                  <p:par>
+                    <p:cTn id="28" fill="hold">
+                      <p:stCondLst>
+                        <p:cond delay="indefinite"/>
+                      </p:stCondLst>
+                      <p:childTnLst>
+                        <p:par>
+                          <p:cTn id="29" fill="hold">
+                            <p:stCondLst>
+                              <p:cond delay="0"/>
+                            </p:stCondLst>
+                            <p:childTnLst>
+                              <p:par>
+                                <p:cTn id="30" presetID="3" presetClass="entr" presetSubtype="10" fill="hold" nodeType="clickEffect">
+                                  <p:stCondLst>
+                                    <p:cond delay="0"/>
+                                  </p:stCondLst>
+                                  <p:childTnLst>
+                                    <p:set>
+                                      <p:cBhvr>
+                                        <p:cTn id="31" dur="1" fill="hold">
+                                          <p:stCondLst>
+                                            <p:cond delay="0"/>
+                                          </p:stCondLst>
+                                        </p:cTn>
+                                        <p:tgtEl>
+                                          <p:spTgt spid="4">
+                                            <p:txEl>
+                                              <p:pRg st="11" end="11"/>
+                                            </p:txEl>
+                                          </p:spTgt>
+                                        </p:tgtEl>
+                                        <p:attrNameLst>
+                                          <p:attrName>style.visibility</p:attrName>
+                                        </p:attrNameLst>
+                                      </p:cBhvr>
+                                      <p:to>
+                                        <p:strVal val="visible"/>
+                                      </p:to>
+                                    </p:set>
+                                    <p:animEffect transition="in" filter="blinds(horizontal)">
+                                      <p:cBhvr>
+                                        <p:cTn id="32" dur="500"/>
+                                        <p:tgtEl>
+                                          <p:spTgt spid="4">
+                                            <p:txEl>
+                                              <p:pRg st="11" end="11"/>
+                                            </p:txEl>
+                                          </p:spTgt>
+                                        </p:tgtEl>
+                                      </p:cBhvr>
+                                    </p:animEffect>
+                                  </p:childTnLst>
+                                </p:cTn>
+                              </p:par>
+                            </p:childTnLst>
+                          </p:cTn>
+                        </p:par>
+                      </p:childTnLst>
+                    </p:cTn>
+                  </p:par>
+                  <p:par>
+                    <p:cTn id="33" fill="hold">
+                      <p:stCondLst>
+                        <p:cond delay="indefinite"/>
+                      </p:stCondLst>
+                      <p:childTnLst>
+                        <p:par>
+                          <p:cTn id="34" fill="hold">
+                            <p:stCondLst>
+                              <p:cond delay="0"/>
+                            </p:stCondLst>
+                            <p:childTnLst>
+                              <p:par>
+                                <p:cTn id="35" presetID="3" presetClass="entr" presetSubtype="10" fill="hold" nodeType="clickEffect">
+                                  <p:stCondLst>
+                                    <p:cond delay="0"/>
+                                  </p:stCondLst>
+                                  <p:childTnLst>
+                                    <p:set>
+                                      <p:cBhvr>
+                                        <p:cTn id="36" dur="1" fill="hold">
+                                          <p:stCondLst>
+                                            <p:cond delay="0"/>
+                                          </p:stCondLst>
+                                        </p:cTn>
+                                        <p:tgtEl>
+                                          <p:spTgt spid="4">
+                                            <p:txEl>
+                                              <p:pRg st="13" end="13"/>
+                                            </p:txEl>
+                                          </p:spTgt>
+                                        </p:tgtEl>
+                                        <p:attrNameLst>
+                                          <p:attrName>style.visibility</p:attrName>
+                                        </p:attrNameLst>
+                                      </p:cBhvr>
+                                      <p:to>
+                                        <p:strVal val="visible"/>
+                                      </p:to>
+                                    </p:set>
+                                    <p:animEffect transition="in" filter="blinds(horizontal)">
+                                      <p:cBhvr>
+                                        <p:cTn id="37" dur="500"/>
+                                        <p:tgtEl>
+                                          <p:spTgt spid="4">
+                                            <p:txEl>
+                                              <p:pRg st="13" end="13"/>
+                                            </p:txEl>
+                                          </p:spTgt>
+                                        </p:tgtEl>
+                                      </p:cBhvr>
+                                    </p:animEffect>
+                                  </p:childTnLst>
+                                </p:cTn>
+                              </p:par>
+                            </p:childTnLst>
+                          </p:cTn>
+                        </p:par>
+                      </p:childTnLst>
+                    </p:cTn>
+                  </p:par>
+                </p:childTnLst>
+              </p:cTn>
+              <p:prevCondLst>
+                <p:cond evt="onPrev" delay="0">
+                  <p:tgtEl>
+                    <p:sldTgt/>
+                  </p:tgtEl>
+                </p:cond>
+              </p:prevCondLst>
+              <p:nextCondLst>
+                <p:cond evt="onNext" delay="0">
+                  <p:tgtEl>
+                    <p:sldTgt/>
+                  </p:tgtEl>
+                </p:cond>
+              </p:nextCondLst>
+            </p:seq>
+          </p:childTnLst>
+        </p:cTn>
+      </p:par>
+    </p:tnLst>
+  </p:timing>
 </p:sld>
 </file>
 
@@ -3705,7 +4170,7 @@
           <a:p>
             <a:r>
               <a:rPr lang="en-DK" sz="2400" dirty="0"/>
-              <a:t>If you want a project in Crypto, please sign up as soon as possible.</a:t>
+              <a:t>If you want a project in cryptography, please sign up as soon as possible!</a:t>
             </a:r>
           </a:p>
           <a:p>
